--- a/Documents/starlite_blocks_UP.pptx
+++ b/Documents/starlite_blocks_UP.pptx
@@ -254,7 +254,7 @@
           <a:p>
             <a:fld id="{784774D6-A820-4664-B7F3-FEBCDABB19A5}" type="datetimeFigureOut">
               <a:rPr lang="en-US" smtClean="0"/>
-              <a:t>8/10/2020</a:t>
+              <a:t>8/25/2020</a:t>
             </a:fld>
             <a:endParaRPr lang="en-US"/>
           </a:p>
@@ -424,7 +424,7 @@
           <a:p>
             <a:fld id="{784774D6-A820-4664-B7F3-FEBCDABB19A5}" type="datetimeFigureOut">
               <a:rPr lang="en-US" smtClean="0"/>
-              <a:t>8/10/2020</a:t>
+              <a:t>8/25/2020</a:t>
             </a:fld>
             <a:endParaRPr lang="en-US"/>
           </a:p>
@@ -604,7 +604,7 @@
           <a:p>
             <a:fld id="{784774D6-A820-4664-B7F3-FEBCDABB19A5}" type="datetimeFigureOut">
               <a:rPr lang="en-US" smtClean="0"/>
-              <a:t>8/10/2020</a:t>
+              <a:t>8/25/2020</a:t>
             </a:fld>
             <a:endParaRPr lang="en-US"/>
           </a:p>
@@ -774,7 +774,7 @@
           <a:p>
             <a:fld id="{784774D6-A820-4664-B7F3-FEBCDABB19A5}" type="datetimeFigureOut">
               <a:rPr lang="en-US" smtClean="0"/>
-              <a:t>8/10/2020</a:t>
+              <a:t>8/25/2020</a:t>
             </a:fld>
             <a:endParaRPr lang="en-US"/>
           </a:p>
@@ -1018,7 +1018,7 @@
           <a:p>
             <a:fld id="{784774D6-A820-4664-B7F3-FEBCDABB19A5}" type="datetimeFigureOut">
               <a:rPr lang="en-US" smtClean="0"/>
-              <a:t>8/10/2020</a:t>
+              <a:t>8/25/2020</a:t>
             </a:fld>
             <a:endParaRPr lang="en-US"/>
           </a:p>
@@ -1250,7 +1250,7 @@
           <a:p>
             <a:fld id="{784774D6-A820-4664-B7F3-FEBCDABB19A5}" type="datetimeFigureOut">
               <a:rPr lang="en-US" smtClean="0"/>
-              <a:t>8/10/2020</a:t>
+              <a:t>8/25/2020</a:t>
             </a:fld>
             <a:endParaRPr lang="en-US"/>
           </a:p>
@@ -1617,7 +1617,7 @@
           <a:p>
             <a:fld id="{784774D6-A820-4664-B7F3-FEBCDABB19A5}" type="datetimeFigureOut">
               <a:rPr lang="en-US" smtClean="0"/>
-              <a:t>8/10/2020</a:t>
+              <a:t>8/25/2020</a:t>
             </a:fld>
             <a:endParaRPr lang="en-US"/>
           </a:p>
@@ -1735,7 +1735,7 @@
           <a:p>
             <a:fld id="{784774D6-A820-4664-B7F3-FEBCDABB19A5}" type="datetimeFigureOut">
               <a:rPr lang="en-US" smtClean="0"/>
-              <a:t>8/10/2020</a:t>
+              <a:t>8/25/2020</a:t>
             </a:fld>
             <a:endParaRPr lang="en-US"/>
           </a:p>
@@ -1830,7 +1830,7 @@
           <a:p>
             <a:fld id="{784774D6-A820-4664-B7F3-FEBCDABB19A5}" type="datetimeFigureOut">
               <a:rPr lang="en-US" smtClean="0"/>
-              <a:t>8/10/2020</a:t>
+              <a:t>8/25/2020</a:t>
             </a:fld>
             <a:endParaRPr lang="en-US"/>
           </a:p>
@@ -2107,7 +2107,7 @@
           <a:p>
             <a:fld id="{784774D6-A820-4664-B7F3-FEBCDABB19A5}" type="datetimeFigureOut">
               <a:rPr lang="en-US" smtClean="0"/>
-              <a:t>8/10/2020</a:t>
+              <a:t>8/25/2020</a:t>
             </a:fld>
             <a:endParaRPr lang="en-US"/>
           </a:p>
@@ -2364,7 +2364,7 @@
           <a:p>
             <a:fld id="{784774D6-A820-4664-B7F3-FEBCDABB19A5}" type="datetimeFigureOut">
               <a:rPr lang="en-US" smtClean="0"/>
-              <a:t>8/10/2020</a:t>
+              <a:t>8/25/2020</a:t>
             </a:fld>
             <a:endParaRPr lang="en-US"/>
           </a:p>
@@ -2577,7 +2577,7 @@
           <a:p>
             <a:fld id="{784774D6-A820-4664-B7F3-FEBCDABB19A5}" type="datetimeFigureOut">
               <a:rPr lang="en-US" smtClean="0"/>
-              <a:t>8/10/2020</a:t>
+              <a:t>8/25/2020</a:t>
             </a:fld>
             <a:endParaRPr lang="en-US"/>
           </a:p>
@@ -3830,7 +3830,7 @@
         <p:spPr>
           <a:xfrm>
             <a:off x="2493007" y="1584698"/>
-            <a:ext cx="922019" cy="276999"/>
+            <a:ext cx="1002533" cy="276999"/>
           </a:xfrm>
           <a:prstGeom prst="rect">
             <a:avLst/>
@@ -3863,18 +3863,13 @@
           <a:p>
             <a:pPr algn="ctr"/>
             <a:r>
-              <a:rPr lang="en-US" sz="1200" dirty="0" err="1">
+              <a:rPr lang="en-US" sz="1200" dirty="0">
                 <a:solidFill>
                   <a:schemeClr val="tx1"/>
                 </a:solidFill>
               </a:rPr>
-              <a:t>star_clocks</a:t>
-            </a:r>
-            <a:endParaRPr lang="en-US" sz="1200" dirty="0">
-              <a:solidFill>
-                <a:schemeClr val="tx1"/>
-              </a:solidFill>
-            </a:endParaRPr>
+              <a:t>SolUP12_pll</a:t>
+            </a:r>
           </a:p>
         </p:txBody>
       </p:sp>
@@ -4042,6 +4037,7 @@
             </a:extLst>
           </p:cNvPr>
           <p:cNvCxnSpPr>
+            <a:cxnSpLocks/>
             <a:endCxn id="25" idx="1"/>
           </p:cNvCxnSpPr>
           <p:nvPr/>
@@ -5302,7 +5298,7 @@
                   <a:schemeClr val="tx1"/>
                 </a:solidFill>
               </a:rPr>
-              <a:t>3 x mult8x8</a:t>
+              <a:t>mult8x8</a:t>
             </a:r>
           </a:p>
         </p:txBody>
